--- a/Presentation1.pptx
+++ b/Presentation1.pptx
@@ -11,8 +11,10 @@
     <p:sldId id="259" r:id="rId5"/>
     <p:sldId id="260" r:id="rId6"/>
     <p:sldId id="261" r:id="rId7"/>
-    <p:sldId id="262" r:id="rId8"/>
-    <p:sldId id="263" r:id="rId9"/>
+    <p:sldId id="266" r:id="rId8"/>
+    <p:sldId id="262" r:id="rId9"/>
+    <p:sldId id="265" r:id="rId10"/>
+    <p:sldId id="263" r:id="rId11"/>
   </p:sldIdLst>
   <p:sldSz cx="12192000" cy="6858000"/>
   <p:notesSz cx="6858000" cy="9144000"/>
@@ -1529,7 +1531,7 @@
             <a:fld id="{48A87A34-81AB-432B-8DAE-1953F412C126}" type="datetimeFigureOut">
               <a:rPr lang="en-US" dirty="0"/>
               <a:pPr/>
-              <a:t>4/3/23</a:t>
+              <a:t>4/7/23</a:t>
             </a:fld>
             <a:endParaRPr lang="en-US" dirty="0"/>
           </a:p>
@@ -2983,7 +2985,7 @@
           <a:p>
             <a:fld id="{48A87A34-81AB-432B-8DAE-1953F412C126}" type="datetimeFigureOut">
               <a:rPr lang="en-US" dirty="0"/>
-              <a:t>4/3/23</a:t>
+              <a:t>4/7/23</a:t>
             </a:fld>
             <a:endParaRPr lang="en-US" dirty="0"/>
           </a:p>
@@ -4431,7 +4433,7 @@
           <a:p>
             <a:fld id="{48A87A34-81AB-432B-8DAE-1953F412C126}" type="datetimeFigureOut">
               <a:rPr lang="en-US" dirty="0"/>
-              <a:t>4/3/23</a:t>
+              <a:t>4/7/23</a:t>
             </a:fld>
             <a:endParaRPr lang="en-US" dirty="0"/>
           </a:p>
@@ -5881,7 +5883,7 @@
           <a:p>
             <a:fld id="{48A87A34-81AB-432B-8DAE-1953F412C126}" type="datetimeFigureOut">
               <a:rPr lang="en-US" dirty="0"/>
-              <a:t>4/3/23</a:t>
+              <a:t>4/7/23</a:t>
             </a:fld>
             <a:endParaRPr lang="en-US" dirty="0"/>
           </a:p>
@@ -7384,7 +7386,7 @@
           <a:p>
             <a:fld id="{48A87A34-81AB-432B-8DAE-1953F412C126}" type="datetimeFigureOut">
               <a:rPr lang="en-US" dirty="0"/>
-              <a:t>4/3/23</a:t>
+              <a:t>4/7/23</a:t>
             </a:fld>
             <a:endParaRPr lang="en-US" dirty="0"/>
           </a:p>
@@ -8900,7 +8902,7 @@
           <a:p>
             <a:fld id="{48A87A34-81AB-432B-8DAE-1953F412C126}" type="datetimeFigureOut">
               <a:rPr lang="en-US" dirty="0"/>
-              <a:t>4/3/23</a:t>
+              <a:t>4/7/23</a:t>
             </a:fld>
             <a:endParaRPr lang="en-US" dirty="0"/>
           </a:p>
@@ -10560,7 +10562,7 @@
           <a:p>
             <a:fld id="{48A87A34-81AB-432B-8DAE-1953F412C126}" type="datetimeFigureOut">
               <a:rPr lang="en-US" dirty="0"/>
-              <a:t>4/3/23</a:t>
+              <a:t>4/7/23</a:t>
             </a:fld>
             <a:endParaRPr lang="en-US" dirty="0"/>
           </a:p>
@@ -11953,7 +11955,7 @@
           <a:p>
             <a:fld id="{48A87A34-81AB-432B-8DAE-1953F412C126}" type="datetimeFigureOut">
               <a:rPr lang="en-US" dirty="0"/>
-              <a:t>4/3/23</a:t>
+              <a:t>4/7/23</a:t>
             </a:fld>
             <a:endParaRPr lang="en-US" dirty="0"/>
           </a:p>
@@ -12048,7 +12050,7 @@
           <a:p>
             <a:fld id="{48A87A34-81AB-432B-8DAE-1953F412C126}" type="datetimeFigureOut">
               <a:rPr lang="en-US" dirty="0"/>
-              <a:t>4/3/23</a:t>
+              <a:t>4/7/23</a:t>
             </a:fld>
             <a:endParaRPr lang="en-US" dirty="0"/>
           </a:p>
@@ -13569,7 +13571,7 @@
           <a:p>
             <a:fld id="{48A87A34-81AB-432B-8DAE-1953F412C126}" type="datetimeFigureOut">
               <a:rPr lang="en-US" dirty="0"/>
-              <a:t>4/3/23</a:t>
+              <a:t>4/7/23</a:t>
             </a:fld>
             <a:endParaRPr lang="en-US" dirty="0"/>
           </a:p>
@@ -15100,7 +15102,7 @@
           <a:p>
             <a:fld id="{48A87A34-81AB-432B-8DAE-1953F412C126}" type="datetimeFigureOut">
               <a:rPr lang="en-US" dirty="0"/>
-              <a:t>4/3/23</a:t>
+              <a:t>4/7/23</a:t>
             </a:fld>
             <a:endParaRPr lang="en-US" dirty="0"/>
           </a:p>
@@ -15319,7 +15321,7 @@
             <a:fld id="{48A87A34-81AB-432B-8DAE-1953F412C126}" type="datetimeFigureOut">
               <a:rPr lang="en-US" dirty="0"/>
               <a:pPr/>
-              <a:t>4/3/23</a:t>
+              <a:t>4/7/23</a:t>
             </a:fld>
             <a:endParaRPr lang="en-US" dirty="0"/>
           </a:p>
@@ -15886,6 +15888,131 @@
 </p:sld>
 </file>
 
+<file path=ppt/slides/slide10.xml><?xml version="1.0" encoding="utf-8"?>
+<p:sld xmlns:a="http://schemas.openxmlformats.org/drawingml/2006/main" xmlns:r="http://schemas.openxmlformats.org/officeDocument/2006/relationships" xmlns:p="http://schemas.openxmlformats.org/presentationml/2006/main">
+  <p:cSld>
+    <p:spTree>
+      <p:nvGrpSpPr>
+        <p:cNvPr id="1" name=""/>
+        <p:cNvGrpSpPr/>
+        <p:nvPr/>
+      </p:nvGrpSpPr>
+      <p:grpSpPr>
+        <a:xfrm>
+          <a:off x="0" y="0"/>
+          <a:ext cx="0" cy="0"/>
+          <a:chOff x="0" y="0"/>
+          <a:chExt cx="0" cy="0"/>
+        </a:xfrm>
+      </p:grpSpPr>
+      <p:sp>
+        <p:nvSpPr>
+          <p:cNvPr id="2" name="Title 1">
+            <a:extLst>
+              <a:ext uri="{FF2B5EF4-FFF2-40B4-BE49-F238E27FC236}">
+                <a16:creationId xmlns:a16="http://schemas.microsoft.com/office/drawing/2014/main" id="{3DCA5016-1864-DB79-D2F7-707C6355EB7F}"/>
+              </a:ext>
+            </a:extLst>
+          </p:cNvPr>
+          <p:cNvSpPr>
+            <a:spLocks noGrp="1"/>
+          </p:cNvSpPr>
+          <p:nvPr>
+            <p:ph type="title"/>
+          </p:nvPr>
+        </p:nvSpPr>
+        <p:spPr/>
+        <p:txBody>
+          <a:bodyPr/>
+          <a:lstStyle/>
+          <a:p>
+            <a:r>
+              <a:rPr lang="en-US" sz="2800" dirty="0">
+                <a:solidFill>
+                  <a:srgbClr val="EAEAEA"/>
+                </a:solidFill>
+                <a:effectLst/>
+                <a:latin typeface="CenturyGothic"/>
+              </a:rPr>
+              <a:t>Conclusion </a:t>
+            </a:r>
+            <a:br>
+              <a:rPr lang="en-US" dirty="0"/>
+            </a:br>
+            <a:endParaRPr lang="en-EG" dirty="0"/>
+          </a:p>
+        </p:txBody>
+      </p:sp>
+      <p:sp>
+        <p:nvSpPr>
+          <p:cNvPr id="3" name="Content Placeholder 2">
+            <a:extLst>
+              <a:ext uri="{FF2B5EF4-FFF2-40B4-BE49-F238E27FC236}">
+                <a16:creationId xmlns:a16="http://schemas.microsoft.com/office/drawing/2014/main" id="{BA8C38A2-0F57-57A8-2885-7286AA56B2B1}"/>
+              </a:ext>
+            </a:extLst>
+          </p:cNvPr>
+          <p:cNvSpPr>
+            <a:spLocks noGrp="1"/>
+          </p:cNvSpPr>
+          <p:nvPr>
+            <p:ph idx="1"/>
+          </p:nvPr>
+        </p:nvSpPr>
+        <p:spPr/>
+        <p:txBody>
+          <a:bodyPr/>
+          <a:lstStyle/>
+          <a:p>
+            <a:r>
+              <a:rPr lang="en-US" dirty="0">
+                <a:effectLst/>
+                <a:latin typeface="+mj-lt"/>
+              </a:rPr>
+              <a:t>Based on AWS documentations </a:t>
+            </a:r>
+            <a:endParaRPr lang="en-US" dirty="0">
+              <a:latin typeface="+mj-lt"/>
+            </a:endParaRPr>
+          </a:p>
+          <a:p>
+            <a:pPr lvl="1"/>
+            <a:r>
+              <a:rPr lang="en-US" sz="1800" dirty="0">
+                <a:effectLst/>
+                <a:latin typeface="+mj-lt"/>
+              </a:rPr>
+              <a:t>  Continuous integration and continuous delivery provide an ideal scenario for your organization’s application teams. Your developers simply push code to a repository and the code will be integrated, tested, deployed, tested again, merged with infrastructure, go through security and quality reviews, and be ready to deploy with extremely high confidence. </a:t>
+            </a:r>
+          </a:p>
+          <a:p>
+            <a:pPr lvl="1"/>
+            <a:r>
+              <a:rPr lang="en-US" sz="1800" dirty="0">
+                <a:effectLst/>
+                <a:latin typeface="+mj-lt"/>
+              </a:rPr>
+              <a:t>  When CI/CD is used, code quality is improved, and software updates are delivered quickly and with high confidence </a:t>
+            </a:r>
+          </a:p>
+          <a:p>
+            <a:endParaRPr lang="en-EG" dirty="0"/>
+          </a:p>
+        </p:txBody>
+      </p:sp>
+    </p:spTree>
+    <p:extLst>
+      <p:ext uri="{BB962C8B-B14F-4D97-AF65-F5344CB8AC3E}">
+        <p14:creationId xmlns:p14="http://schemas.microsoft.com/office/powerpoint/2010/main" val="1380654623"/>
+      </p:ext>
+    </p:extLst>
+  </p:cSld>
+  <p:clrMapOvr>
+    <a:masterClrMapping/>
+  </p:clrMapOvr>
+</p:sld>
+</file>
+
 <file path=ppt/slides/slide2.xml><?xml version="1.0" encoding="utf-8"?>
 <p:sld xmlns:a="http://schemas.openxmlformats.org/drawingml/2006/main" xmlns:r="http://schemas.openxmlformats.org/officeDocument/2006/relationships" xmlns:p="http://schemas.openxmlformats.org/presentationml/2006/main">
   <p:cSld>
@@ -16622,6 +16749,187 @@
           <p:cNvPr id="2" name="Title 1">
             <a:extLst>
               <a:ext uri="{FF2B5EF4-FFF2-40B4-BE49-F238E27FC236}">
+                <a16:creationId xmlns:a16="http://schemas.microsoft.com/office/drawing/2014/main" id="{4C479ED8-8452-1B8E-8F45-4141DF892F14}"/>
+              </a:ext>
+            </a:extLst>
+          </p:cNvPr>
+          <p:cNvSpPr>
+            <a:spLocks noGrp="1"/>
+          </p:cNvSpPr>
+          <p:nvPr>
+            <p:ph type="title"/>
+          </p:nvPr>
+        </p:nvSpPr>
+        <p:spPr/>
+        <p:txBody>
+          <a:bodyPr>
+            <a:normAutofit fontScale="90000"/>
+          </a:bodyPr>
+          <a:lstStyle/>
+          <a:p>
+            <a:r>
+              <a:rPr lang="en-US" sz="4000" b="1" dirty="0">
+                <a:solidFill>
+                  <a:srgbClr val="EAEAEA"/>
+                </a:solidFill>
+                <a:effectLst/>
+              </a:rPr>
+              <a:t>Business Benefits of CI/CD </a:t>
+            </a:r>
+            <a:br>
+              <a:rPr lang="en-US" sz="4000" dirty="0"/>
+            </a:br>
+            <a:r>
+              <a:rPr lang="en-US" sz="4000" dirty="0"/>
+              <a:t>(</a:t>
+            </a:r>
+            <a:r>
+              <a:rPr lang="en-US" sz="4000" dirty="0" err="1"/>
+              <a:t>cont</a:t>
+            </a:r>
+            <a:r>
+              <a:rPr lang="en-US" sz="4000" dirty="0"/>
+              <a:t>’)</a:t>
+            </a:r>
+            <a:endParaRPr lang="en-EG" dirty="0"/>
+          </a:p>
+        </p:txBody>
+      </p:sp>
+      <p:sp>
+        <p:nvSpPr>
+          <p:cNvPr id="3" name="Content Placeholder 2">
+            <a:extLst>
+              <a:ext uri="{FF2B5EF4-FFF2-40B4-BE49-F238E27FC236}">
+                <a16:creationId xmlns:a16="http://schemas.microsoft.com/office/drawing/2014/main" id="{71C11769-8DF5-2D37-975B-DD9407CFB65D}"/>
+              </a:ext>
+            </a:extLst>
+          </p:cNvPr>
+          <p:cNvSpPr>
+            <a:spLocks noGrp="1"/>
+          </p:cNvSpPr>
+          <p:nvPr>
+            <p:ph idx="1"/>
+          </p:nvPr>
+        </p:nvSpPr>
+        <p:spPr/>
+        <p:txBody>
+          <a:bodyPr/>
+          <a:lstStyle/>
+          <a:p>
+            <a:r>
+              <a:rPr lang="en-US" sz="1800" dirty="0">
+                <a:effectLst/>
+                <a:latin typeface="LiberationSans"/>
+              </a:rPr>
+              <a:t>Make Revenue </a:t>
+            </a:r>
+          </a:p>
+          <a:p>
+            <a:pPr lvl="1"/>
+            <a:r>
+              <a:rPr lang="en-US" sz="1600" dirty="0">
+                <a:effectLst/>
+                <a:latin typeface="LiberationSans"/>
+              </a:rPr>
+              <a:t>Faster and More Frequent Production Deployments ensures more quicker releases. </a:t>
+            </a:r>
+          </a:p>
+          <a:p>
+            <a:pPr lvl="1"/>
+            <a:r>
+              <a:rPr lang="en-US" sz="1600" dirty="0">
+                <a:effectLst/>
+                <a:latin typeface="LiberationSans"/>
+              </a:rPr>
+              <a:t>Removal of manual checks before deployment means less time to market. </a:t>
+            </a:r>
+            <a:endParaRPr lang="en-US" dirty="0">
+              <a:effectLst/>
+            </a:endParaRPr>
+          </a:p>
+          <a:p>
+            <a:pPr lvl="1"/>
+            <a:endParaRPr lang="en-US" dirty="0">
+              <a:effectLst/>
+            </a:endParaRPr>
+          </a:p>
+          <a:p>
+            <a:r>
+              <a:rPr lang="en-US" sz="1800" dirty="0">
+                <a:effectLst/>
+                <a:latin typeface="LiberationSans"/>
+              </a:rPr>
+              <a:t>Protect Revenue </a:t>
+            </a:r>
+          </a:p>
+          <a:p>
+            <a:pPr lvl="1"/>
+            <a:r>
+              <a:rPr lang="en-US" dirty="0">
+                <a:effectLst/>
+                <a:latin typeface="LiberationSans"/>
+              </a:rPr>
+              <a:t>Automated smoke test reduces downtime due to deploy related crash or a major bug. </a:t>
+            </a:r>
+          </a:p>
+          <a:p>
+            <a:pPr lvl="1"/>
+            <a:r>
+              <a:rPr lang="en-US" dirty="0">
+                <a:effectLst/>
+                <a:latin typeface="LiberationSans"/>
+              </a:rPr>
+              <a:t>Automated rollback due to a job failure means a fast undo from production to working state. </a:t>
+            </a:r>
+            <a:endParaRPr lang="en-US" dirty="0">
+              <a:effectLst/>
+            </a:endParaRPr>
+          </a:p>
+          <a:p>
+            <a:endParaRPr lang="en-US" dirty="0">
+              <a:effectLst/>
+            </a:endParaRPr>
+          </a:p>
+          <a:p>
+            <a:endParaRPr lang="en-EG" dirty="0"/>
+          </a:p>
+        </p:txBody>
+      </p:sp>
+    </p:spTree>
+    <p:extLst>
+      <p:ext uri="{BB962C8B-B14F-4D97-AF65-F5344CB8AC3E}">
+        <p14:creationId xmlns:p14="http://schemas.microsoft.com/office/powerpoint/2010/main" val="2710821478"/>
+      </p:ext>
+    </p:extLst>
+  </p:cSld>
+  <p:clrMapOvr>
+    <a:masterClrMapping/>
+  </p:clrMapOvr>
+</p:sld>
+</file>
+
+<file path=ppt/slides/slide8.xml><?xml version="1.0" encoding="utf-8"?>
+<p:sld xmlns:a="http://schemas.openxmlformats.org/drawingml/2006/main" xmlns:r="http://schemas.openxmlformats.org/officeDocument/2006/relationships" xmlns:p="http://schemas.openxmlformats.org/presentationml/2006/main">
+  <p:cSld>
+    <p:spTree>
+      <p:nvGrpSpPr>
+        <p:cNvPr id="1" name=""/>
+        <p:cNvGrpSpPr/>
+        <p:nvPr/>
+      </p:nvGrpSpPr>
+      <p:grpSpPr>
+        <a:xfrm>
+          <a:off x="0" y="0"/>
+          <a:ext cx="0" cy="0"/>
+          <a:chOff x="0" y="0"/>
+          <a:chExt cx="0" cy="0"/>
+        </a:xfrm>
+      </p:grpSpPr>
+      <p:sp>
+        <p:nvSpPr>
+          <p:cNvPr id="2" name="Title 1">
+            <a:extLst>
+              <a:ext uri="{FF2B5EF4-FFF2-40B4-BE49-F238E27FC236}">
                 <a16:creationId xmlns:a16="http://schemas.microsoft.com/office/drawing/2014/main" id="{F84EE479-76AB-9B03-281B-A82840C66072}"/>
               </a:ext>
             </a:extLst>
@@ -16775,7 +17083,7 @@
 </p:sld>
 </file>
 
-<file path=ppt/slides/slide8.xml><?xml version="1.0" encoding="utf-8"?>
+<file path=ppt/slides/slide9.xml><?xml version="1.0" encoding="utf-8"?>
 <p:sld xmlns:a="http://schemas.openxmlformats.org/drawingml/2006/main" xmlns:r="http://schemas.openxmlformats.org/officeDocument/2006/relationships" xmlns:p="http://schemas.openxmlformats.org/presentationml/2006/main">
   <p:cSld>
     <p:spTree>
@@ -16797,7 +17105,7 @@
           <p:cNvPr id="2" name="Title 1">
             <a:extLst>
               <a:ext uri="{FF2B5EF4-FFF2-40B4-BE49-F238E27FC236}">
-                <a16:creationId xmlns:a16="http://schemas.microsoft.com/office/drawing/2014/main" id="{3DCA5016-1864-DB79-D2F7-707C6355EB7F}"/>
+                <a16:creationId xmlns:a16="http://schemas.microsoft.com/office/drawing/2014/main" id="{4C479ED8-8452-1B8E-8F45-4141DF892F14}"/>
               </a:ext>
             </a:extLst>
           </p:cNvPr>
@@ -16810,22 +17118,35 @@
         </p:nvSpPr>
         <p:spPr/>
         <p:txBody>
-          <a:bodyPr/>
+          <a:bodyPr>
+            <a:normAutofit fontScale="90000"/>
+          </a:bodyPr>
           <a:lstStyle/>
           <a:p>
             <a:r>
-              <a:rPr lang="en-US" sz="2800" dirty="0">
+              <a:rPr lang="en-US" sz="4000" b="1" dirty="0">
                 <a:solidFill>
                   <a:srgbClr val="EAEAEA"/>
                 </a:solidFill>
                 <a:effectLst/>
-                <a:latin typeface="CenturyGothic"/>
               </a:rPr>
-              <a:t>Conclusion </a:t>
+              <a:t>Business Benefits of CI/CD </a:t>
             </a:r>
             <a:br>
-              <a:rPr lang="en-US" dirty="0"/>
+              <a:rPr lang="en-US" sz="4000" dirty="0"/>
             </a:br>
+            <a:r>
+              <a:rPr lang="en-US" sz="4000" dirty="0"/>
+              <a:t>(</a:t>
+            </a:r>
+            <a:r>
+              <a:rPr lang="en-US" sz="4000" dirty="0" err="1"/>
+              <a:t>cont</a:t>
+            </a:r>
+            <a:r>
+              <a:rPr lang="en-US" sz="4000" dirty="0"/>
+              <a:t>’)</a:t>
+            </a:r>
             <a:endParaRPr lang="en-EG" dirty="0"/>
           </a:p>
         </p:txBody>
@@ -16835,7 +17156,7 @@
           <p:cNvPr id="3" name="Content Placeholder 2">
             <a:extLst>
               <a:ext uri="{FF2B5EF4-FFF2-40B4-BE49-F238E27FC236}">
-                <a16:creationId xmlns:a16="http://schemas.microsoft.com/office/drawing/2014/main" id="{BA8C38A2-0F57-57A8-2885-7286AA56B2B1}"/>
+                <a16:creationId xmlns:a16="http://schemas.microsoft.com/office/drawing/2014/main" id="{71C11769-8DF5-2D37-975B-DD9407CFB65D}"/>
               </a:ext>
             </a:extLst>
           </p:cNvPr>
@@ -16848,39 +17169,83 @@
         </p:nvSpPr>
         <p:spPr/>
         <p:txBody>
-          <a:bodyPr/>
+          <a:bodyPr>
+            <a:normAutofit/>
+          </a:bodyPr>
           <a:lstStyle/>
           <a:p>
             <a:r>
-              <a:rPr lang="en-US" dirty="0">
+              <a:rPr lang="en-US" sz="1800" dirty="0">
                 <a:effectLst/>
-                <a:latin typeface="+mj-lt"/>
+                <a:latin typeface="LiberationSans"/>
               </a:rPr>
-              <a:t>Based on AWS documentations </a:t>
+              <a:t>Reduction of non-critical defects in backlog </a:t>
             </a:r>
             <a:endParaRPr lang="en-US" dirty="0">
-              <a:latin typeface="+mj-lt"/>
+              <a:effectLst/>
             </a:endParaRPr>
           </a:p>
           <a:p>
             <a:pPr lvl="1"/>
             <a:r>
-              <a:rPr lang="en-US" sz="1800" dirty="0">
+              <a:rPr lang="en-US" dirty="0">
+                <a:latin typeface="LiberationSans"/>
+              </a:rPr>
+              <a:t>Since </a:t>
+            </a:r>
+            <a:r>
+              <a:rPr lang="en-US" dirty="0">
                 <a:effectLst/>
-                <a:latin typeface="+mj-lt"/>
+                <a:latin typeface="LiberationSans"/>
               </a:rPr>
-              <a:t>  Continuous integration and continuous delivery provide an ideal scenario for your organization’s application teams. Your developers simply push code to a repository and the code will be integrated, tested, deployed, tested again, merged with infrastructure, go through security and quality reviews, and be ready to deploy with extremely high confidence. </a:t>
+              <a:t>CI/CD is a time and money saver, it gives developers time to fix older code and make it cleaner and more efficient. The idea that developers cannot only tackle the </a:t>
             </a:r>
+            <a:r>
+              <a:rPr lang="en-US">
+                <a:effectLst/>
+                <a:latin typeface="LiberationSans"/>
+              </a:rPr>
+              <a:t>backlog ,but </a:t>
+            </a:r>
+            <a:r>
+              <a:rPr lang="en-US" dirty="0">
+                <a:effectLst/>
+                <a:latin typeface="LiberationSans"/>
+              </a:rPr>
+              <a:t>also work on non-critical defects, is a game -changer brought to teams by DevOps and CI/C </a:t>
+            </a:r>
+            <a:endParaRPr lang="en-US" dirty="0">
+              <a:effectLst/>
+            </a:endParaRPr>
+          </a:p>
+          <a:p>
+            <a:r>
+              <a:rPr lang="en-US" dirty="0">
+                <a:latin typeface="LiberationSans"/>
+              </a:rPr>
+              <a:t>Fail Fast</a:t>
+            </a:r>
+            <a:endParaRPr lang="en-US" dirty="0">
+              <a:effectLst/>
+            </a:endParaRPr>
           </a:p>
           <a:p>
             <a:pPr lvl="1"/>
             <a:r>
-              <a:rPr lang="en-US" sz="1800" dirty="0">
+              <a:rPr lang="en-US" dirty="0">
                 <a:effectLst/>
-                <a:latin typeface="+mj-lt"/>
+                <a:latin typeface="LiberationSans"/>
               </a:rPr>
-              <a:t>  When CI/CD is used, code quality is improved, and software updates are delivered quickly and with high confidence </a:t>
+              <a:t>The faster we detect the errors, the faster we act and fix the issues even before it occurs on production, and that would save a lot of time debugging and testing and  also will save money. </a:t>
             </a:r>
+            <a:endParaRPr lang="en-US" dirty="0">
+              <a:effectLst/>
+            </a:endParaRPr>
+          </a:p>
+          <a:p>
+            <a:endParaRPr lang="en-US" dirty="0">
+              <a:effectLst/>
+            </a:endParaRPr>
           </a:p>
           <a:p>
             <a:endParaRPr lang="en-EG" dirty="0"/>
@@ -16890,7 +17255,7 @@
     </p:spTree>
     <p:extLst>
       <p:ext uri="{BB962C8B-B14F-4D97-AF65-F5344CB8AC3E}">
-        <p14:creationId xmlns:p14="http://schemas.microsoft.com/office/powerpoint/2010/main" val="1380654623"/>
+        <p14:creationId xmlns:p14="http://schemas.microsoft.com/office/powerpoint/2010/main" val="2345607520"/>
       </p:ext>
     </p:extLst>
   </p:cSld>
